--- a/Slides/Lecture10 - Web Applications with CSharp.pptx
+++ b/Slides/Lecture10 - Web Applications with CSharp.pptx
@@ -11885,7 +11885,7 @@
               <a:rPr lang="en-US" smtClean="0">
                 <a:latin typeface="Segoe UI" pitchFamily="34" charset="0"/>
               </a:rPr>
-              <a:t>11/3/2020 7:41 PM</a:t>
+              <a:t>11/4/2020 10:02 AM</a:t>
             </a:fld>
             <a:endParaRPr lang="en-US" dirty="0">
               <a:latin typeface="Segoe UI" pitchFamily="34" charset="0"/>
@@ -12163,7 +12163,7 @@
           <a:p>
             <a:fld id="{386CE63F-9E7F-4C04-9D0D-FCA25A8E9E86}" type="datetime8">
               <a:rPr lang="en-US" smtClean="0"/>
-              <a:t>11/3/2020 7:41 PM</a:t>
+              <a:t>11/4/2020 10:01 AM</a:t>
             </a:fld>
             <a:endParaRPr lang="en-US" dirty="0"/>
           </a:p>
@@ -12530,7 +12530,7 @@
           <a:p>
             <a:fld id="{321E5A7B-BB8D-4368-A182-109669521632}" type="datetime8">
               <a:rPr lang="en-US" smtClean="0"/>
-              <a:t>11/3/2020 7:41 PM</a:t>
+              <a:t>11/4/2020 10:01 AM</a:t>
             </a:fld>
             <a:endParaRPr lang="en-US" dirty="0"/>
           </a:p>
@@ -31462,15 +31462,6 @@
           <a:solidFill>
             <a:srgbClr val="FFFFFF"/>
           </a:solidFill>
-          <a:extLst>
-            <a:ext uri="{909E8E84-426E-40DD-AFC4-6F175D3DCCD1}">
-              <a14:hiddenFill xmlns:a14="http://schemas.microsoft.com/office/drawing/2010/main">
-                <a:solidFill>
-                  <a:srgbClr val="FFFFFF"/>
-                </a:solidFill>
-              </a14:hiddenFill>
-            </a:ext>
-          </a:extLst>
         </p:spPr>
       </p:pic>
       <p:sp>
@@ -31559,15 +31550,6 @@
           <a:solidFill>
             <a:srgbClr val="FFFFFF"/>
           </a:solidFill>
-          <a:extLst>
-            <a:ext uri="{909E8E84-426E-40DD-AFC4-6F175D3DCCD1}">
-              <a14:hiddenFill xmlns:a14="http://schemas.microsoft.com/office/drawing/2010/main">
-                <a:solidFill>
-                  <a:srgbClr val="FFFFFF"/>
-                </a:solidFill>
-              </a14:hiddenFill>
-            </a:ext>
-          </a:extLst>
         </p:spPr>
       </p:pic>
       <p:sp>
@@ -31640,15 +31622,6 @@
           <a:solidFill>
             <a:srgbClr val="FFFFFF"/>
           </a:solidFill>
-          <a:extLst>
-            <a:ext uri="{909E8E84-426E-40DD-AFC4-6F175D3DCCD1}">
-              <a14:hiddenFill xmlns:a14="http://schemas.microsoft.com/office/drawing/2010/main">
-                <a:solidFill>
-                  <a:srgbClr val="FFFFFF"/>
-                </a:solidFill>
-              </a14:hiddenFill>
-            </a:ext>
-          </a:extLst>
         </p:spPr>
       </p:pic>
       <p:sp>
@@ -31973,15 +31946,6 @@
           <a:solidFill>
             <a:srgbClr val="FFFFFF"/>
           </a:solidFill>
-          <a:extLst>
-            <a:ext uri="{909E8E84-426E-40DD-AFC4-6F175D3DCCD1}">
-              <a14:hiddenFill xmlns:a14="http://schemas.microsoft.com/office/drawing/2010/main">
-                <a:solidFill>
-                  <a:srgbClr val="FFFFFF"/>
-                </a:solidFill>
-              </a14:hiddenFill>
-            </a:ext>
-          </a:extLst>
         </p:spPr>
       </p:pic>
       <p:sp>
@@ -33453,8 +33417,8 @@
         </p:nvSpPr>
         <p:spPr>
           <a:xfrm>
-            <a:off x="4297680" y="6036854"/>
-            <a:ext cx="7307230" cy="363946"/>
+            <a:off x="3016665" y="6036854"/>
+            <a:ext cx="8588245" cy="363946"/>
           </a:xfrm>
           <a:prstGeom prst="rect">
             <a:avLst/>
@@ -33476,7 +33440,17 @@
               <a:rPr lang="da-DK" dirty="0">
                 <a:hlinkClick r:id="rId2"/>
               </a:rPr>
-              <a:t>https://docs.microsoft.com/en-us/aspnet/core/mvc/overview</a:t>
+              <a:t>https://blazor.net</a:t>
+            </a:r>
+            <a:r>
+              <a:rPr lang="da-DK" dirty="0"/>
+              <a:t> and </a:t>
+            </a:r>
+            <a:r>
+              <a:rPr lang="da-DK" dirty="0">
+                <a:hlinkClick r:id="rId3"/>
+              </a:rPr>
+              <a:t>https://docs.microsoft.com/en-us/aspnet/core/blazor</a:t>
             </a:r>
             <a:r>
               <a:rPr lang="da-DK" dirty="0"/>
@@ -33591,7 +33565,7 @@
             </a:r>
             <a:r>
               <a:rPr lang="en-US" dirty="0"/>
-              <a:t> enables client and server applications to communicate transparently, and simplifies the building of connected systems.</a:t>
+              <a:t> enables client and server applications to communicate transparently and simplifies the building of connected systems.</a:t>
             </a:r>
           </a:p>
           <a:p>
@@ -35059,6 +35033,23 @@
 </file>
 
 <file path=customXml/item1.xml><?xml version="1.0" encoding="utf-8"?>
+<p:properties xmlns:p="http://schemas.microsoft.com/office/2006/metadata/properties" xmlns:xsi="http://www.w3.org/2001/XMLSchema-instance" xmlns:pc="http://schemas.microsoft.com/office/infopath/2007/PartnerControls">
+  <documentManagement>
+    <MediaServiceKeyPoints xmlns="965de625-df5b-42e9-a277-2113da4f1195" xsi:nil="true"/>
+  </documentManagement>
+</p:properties>
+</file>
+
+<file path=customXml/item2.xml><?xml version="1.0" encoding="utf-8"?>
+<?mso-contentType ?>
+<FormTemplates xmlns="http://schemas.microsoft.com/sharepoint/v3/contenttype/forms">
+  <Display>DocumentLibraryForm</Display>
+  <Edit>DocumentLibraryForm</Edit>
+  <New>DocumentLibraryForm</New>
+</FormTemplates>
+</file>
+
+<file path=customXml/item3.xml><?xml version="1.0" encoding="utf-8"?>
 <ct:contentTypeSchema xmlns:ct="http://schemas.microsoft.com/office/2006/metadata/contentType" xmlns:ma="http://schemas.microsoft.com/office/2006/metadata/properties/metaAttributes" ct:_="" ma:_="" ma:contentTypeName="Document" ma:contentTypeID="0x010100BD9FAF4CD5AD2F4B99B5B2414089ABF7" ma:contentTypeVersion="14" ma:contentTypeDescription="Create a new document." ma:contentTypeScope="" ma:versionID="15419eb272c8997d22174cab72b81ac5">
   <xsd:schema xmlns:xsd="http://www.w3.org/2001/XMLSchema" xmlns:xs="http://www.w3.org/2001/XMLSchema" xmlns:p="http://schemas.microsoft.com/office/2006/metadata/properties" xmlns:ns2="dcf5ddc1-fb1d-440f-849a-6450bddbaed7" xmlns:ns3="965de625-df5b-42e9-a277-2113da4f1195" targetNamespace="http://schemas.microsoft.com/office/2006/metadata/properties" ma:root="true" ma:fieldsID="366f960d0717a06e650b8dd07cd5f805" ns2:_="" ns3:_="">
     <xsd:import namespace="dcf5ddc1-fb1d-440f-849a-6450bddbaed7"/>
@@ -35289,24 +35280,32 @@
 </ct:contentTypeSchema>
 </file>
 
-<file path=customXml/item2.xml><?xml version="1.0" encoding="utf-8"?>
-<?mso-contentType ?>
-<FormTemplates xmlns="http://schemas.microsoft.com/sharepoint/v3/contenttype/forms">
-  <Display>DocumentLibraryForm</Display>
-  <Edit>DocumentLibraryForm</Edit>
-  <New>DocumentLibraryForm</New>
-</FormTemplates>
+<file path=customXml/itemProps1.xml><?xml version="1.0" encoding="utf-8"?>
+<ds:datastoreItem xmlns:ds="http://schemas.openxmlformats.org/officeDocument/2006/customXml" ds:itemID="{F990F116-B58F-4255-B05B-DA3808E0E5C6}">
+  <ds:schemaRefs>
+    <ds:schemaRef ds:uri="http://purl.org/dc/dcmitype/"/>
+    <ds:schemaRef ds:uri="http://schemas.openxmlformats.org/package/2006/metadata/core-properties"/>
+    <ds:schemaRef ds:uri="http://schemas.microsoft.com/office/2006/documentManagement/types"/>
+    <ds:schemaRef ds:uri="965de625-df5b-42e9-a277-2113da4f1195"/>
+    <ds:schemaRef ds:uri="http://purl.org/dc/elements/1.1/"/>
+    <ds:schemaRef ds:uri="http://schemas.microsoft.com/office/2006/metadata/properties"/>
+    <ds:schemaRef ds:uri="http://www.w3.org/XML/1998/namespace"/>
+    <ds:schemaRef ds:uri="http://schemas.microsoft.com/office/infopath/2007/PartnerControls"/>
+    <ds:schemaRef ds:uri="dcf5ddc1-fb1d-440f-849a-6450bddbaed7"/>
+    <ds:schemaRef ds:uri="http://purl.org/dc/terms/"/>
+  </ds:schemaRefs>
+</ds:datastoreItem>
 </file>
 
-<file path=customXml/item3.xml><?xml version="1.0" encoding="utf-8"?>
-<p:properties xmlns:p="http://schemas.microsoft.com/office/2006/metadata/properties" xmlns:xsi="http://www.w3.org/2001/XMLSchema-instance" xmlns:pc="http://schemas.microsoft.com/office/infopath/2007/PartnerControls">
-  <documentManagement>
-    <MediaServiceKeyPoints xmlns="965de625-df5b-42e9-a277-2113da4f1195" xsi:nil="true"/>
-  </documentManagement>
-</p:properties>
+<file path=customXml/itemProps2.xml><?xml version="1.0" encoding="utf-8"?>
+<ds:datastoreItem xmlns:ds="http://schemas.openxmlformats.org/officeDocument/2006/customXml" ds:itemID="{758FDAC0-319D-4A54-8D8E-1D42CB1F8004}">
+  <ds:schemaRefs>
+    <ds:schemaRef ds:uri="http://schemas.microsoft.com/sharepoint/v3/contenttype/forms"/>
+  </ds:schemaRefs>
+</ds:datastoreItem>
 </file>
 
-<file path=customXml/itemProps1.xml><?xml version="1.0" encoding="utf-8"?>
+<file path=customXml/itemProps3.xml><?xml version="1.0" encoding="utf-8"?>
 <ds:datastoreItem xmlns:ds="http://schemas.openxmlformats.org/officeDocument/2006/customXml" ds:itemID="{B28DDFE8-80D6-4A60-B5D6-41E509D3A2B4}">
   <ds:schemaRefs>
     <ds:schemaRef ds:uri="http://schemas.microsoft.com/office/2006/metadata/contentType"/>
@@ -35325,33 +35324,6 @@
 </ds:datastoreItem>
 </file>
 
-<file path=customXml/itemProps2.xml><?xml version="1.0" encoding="utf-8"?>
-<ds:datastoreItem xmlns:ds="http://schemas.openxmlformats.org/officeDocument/2006/customXml" ds:itemID="{758FDAC0-319D-4A54-8D8E-1D42CB1F8004}">
-  <ds:schemaRefs>
-    <ds:schemaRef ds:uri="http://schemas.microsoft.com/sharepoint/v3/contenttype/forms"/>
-  </ds:schemaRefs>
-</ds:datastoreItem>
-</file>
-
-<file path=customXml/itemProps3.xml><?xml version="1.0" encoding="utf-8"?>
-<ds:datastoreItem xmlns:ds="http://schemas.openxmlformats.org/officeDocument/2006/customXml" ds:itemID="{F990F116-B58F-4255-B05B-DA3808E0E5C6}">
-  <ds:schemaRefs>
-    <ds:schemaRef ds:uri="http://purl.org/dc/elements/1.1/"/>
-    <ds:schemaRef ds:uri="http://schemas.microsoft.com/office/2006/metadata/properties"/>
-    <ds:schemaRef ds:uri="e4aa919a-b200-49cb-beca-4c7e0810321e"/>
-    <ds:schemaRef ds:uri="06670dda-0291-4061-b6e0-f6c0cb392c51"/>
-    <ds:schemaRef ds:uri="http://schemas.microsoft.com/office/2006/documentManagement/types"/>
-    <ds:schemaRef ds:uri="http://schemas.microsoft.com/office/infopath/2007/PartnerControls"/>
-    <ds:schemaRef ds:uri="http://purl.org/dc/dcmitype/"/>
-    <ds:schemaRef ds:uri="http://schemas.microsoft.com/sharepoint/v3"/>
-    <ds:schemaRef ds:uri="http://schemas.openxmlformats.org/package/2006/metadata/core-properties"/>
-    <ds:schemaRef ds:uri="http://www.w3.org/XML/1998/namespace"/>
-    <ds:schemaRef ds:uri="http://purl.org/dc/terms/"/>
-    <ds:schemaRef ds:uri="965de625-df5b-42e9-a277-2113da4f1195"/>
-  </ds:schemaRefs>
-</ds:datastoreItem>
-</file>
-
 <file path=docMetadata/LabelInfo.xml><?xml version="1.0" encoding="utf-8"?>
 <clbl:labelList xmlns:clbl="http://schemas.microsoft.com/office/2020/mipLabelMetadata"/>
 </file>